--- a/figures_tables/paper/figure_assembly/Supplementary_Figure_1.pptx
+++ b/figures_tables/paper/figure_assembly/Supplementary_Figure_1.pptx
@@ -107,6 +107,11 @@
       </a:defRPr>
     </a:lvl9pPr>
   </p:defaultTextStyle>
+  <p:extLst>
+    <p:ext uri="{EFAFB233-063F-42B5-8137-9DF3F51BA10A}">
+      <p15:sldGuideLst xmlns:p15="http://schemas.microsoft.com/office/powerpoint/2012/main"/>
+    </p:ext>
+  </p:extLst>
 </p:presentation>
 </file>
 
@@ -192,7 +197,7 @@
           <a:p>
             <a:fld id="{8ABF01CF-3305-A74B-8B05-C7F87612AEB0}" type="datetimeFigureOut">
               <a:rPr lang="en-US" smtClean="0"/>
-              <a:t>5/5/20</a:t>
+              <a:t>11/26/20</a:t>
             </a:fld>
             <a:endParaRPr lang="en-US"/>
           </a:p>
@@ -690,7 +695,7 @@
           <a:p>
             <a:fld id="{8F5C869D-D792-1C43-9488-465CE19598B0}" type="datetimeFigureOut">
               <a:rPr lang="en-US" smtClean="0"/>
-              <a:t>5/5/20</a:t>
+              <a:t>11/26/20</a:t>
             </a:fld>
             <a:endParaRPr lang="en-US"/>
           </a:p>
@@ -888,7 +893,7 @@
           <a:p>
             <a:fld id="{8F5C869D-D792-1C43-9488-465CE19598B0}" type="datetimeFigureOut">
               <a:rPr lang="en-US" smtClean="0"/>
-              <a:t>5/5/20</a:t>
+              <a:t>11/26/20</a:t>
             </a:fld>
             <a:endParaRPr lang="en-US"/>
           </a:p>
@@ -1096,7 +1101,7 @@
           <a:p>
             <a:fld id="{8F5C869D-D792-1C43-9488-465CE19598B0}" type="datetimeFigureOut">
               <a:rPr lang="en-US" smtClean="0"/>
-              <a:t>5/5/20</a:t>
+              <a:t>11/26/20</a:t>
             </a:fld>
             <a:endParaRPr lang="en-US"/>
           </a:p>
@@ -1294,7 +1299,7 @@
           <a:p>
             <a:fld id="{8F5C869D-D792-1C43-9488-465CE19598B0}" type="datetimeFigureOut">
               <a:rPr lang="en-US" smtClean="0"/>
-              <a:t>5/5/20</a:t>
+              <a:t>11/26/20</a:t>
             </a:fld>
             <a:endParaRPr lang="en-US"/>
           </a:p>
@@ -1569,7 +1574,7 @@
           <a:p>
             <a:fld id="{8F5C869D-D792-1C43-9488-465CE19598B0}" type="datetimeFigureOut">
               <a:rPr lang="en-US" smtClean="0"/>
-              <a:t>5/5/20</a:t>
+              <a:t>11/26/20</a:t>
             </a:fld>
             <a:endParaRPr lang="en-US"/>
           </a:p>
@@ -1834,7 +1839,7 @@
           <a:p>
             <a:fld id="{8F5C869D-D792-1C43-9488-465CE19598B0}" type="datetimeFigureOut">
               <a:rPr lang="en-US" smtClean="0"/>
-              <a:t>5/5/20</a:t>
+              <a:t>11/26/20</a:t>
             </a:fld>
             <a:endParaRPr lang="en-US"/>
           </a:p>
@@ -2246,7 +2251,7 @@
           <a:p>
             <a:fld id="{8F5C869D-D792-1C43-9488-465CE19598B0}" type="datetimeFigureOut">
               <a:rPr lang="en-US" smtClean="0"/>
-              <a:t>5/5/20</a:t>
+              <a:t>11/26/20</a:t>
             </a:fld>
             <a:endParaRPr lang="en-US"/>
           </a:p>
@@ -2387,7 +2392,7 @@
           <a:p>
             <a:fld id="{8F5C869D-D792-1C43-9488-465CE19598B0}" type="datetimeFigureOut">
               <a:rPr lang="en-US" smtClean="0"/>
-              <a:t>5/5/20</a:t>
+              <a:t>11/26/20</a:t>
             </a:fld>
             <a:endParaRPr lang="en-US"/>
           </a:p>
@@ -2500,7 +2505,7 @@
           <a:p>
             <a:fld id="{8F5C869D-D792-1C43-9488-465CE19598B0}" type="datetimeFigureOut">
               <a:rPr lang="en-US" smtClean="0"/>
-              <a:t>5/5/20</a:t>
+              <a:t>11/26/20</a:t>
             </a:fld>
             <a:endParaRPr lang="en-US"/>
           </a:p>
@@ -2811,7 +2816,7 @@
           <a:p>
             <a:fld id="{8F5C869D-D792-1C43-9488-465CE19598B0}" type="datetimeFigureOut">
               <a:rPr lang="en-US" smtClean="0"/>
-              <a:t>5/5/20</a:t>
+              <a:t>11/26/20</a:t>
             </a:fld>
             <a:endParaRPr lang="en-US"/>
           </a:p>
@@ -3099,7 +3104,7 @@
           <a:p>
             <a:fld id="{8F5C869D-D792-1C43-9488-465CE19598B0}" type="datetimeFigureOut">
               <a:rPr lang="en-US" smtClean="0"/>
-              <a:t>5/5/20</a:t>
+              <a:t>11/26/20</a:t>
             </a:fld>
             <a:endParaRPr lang="en-US"/>
           </a:p>
@@ -3340,7 +3345,7 @@
           <a:p>
             <a:fld id="{8F5C869D-D792-1C43-9488-465CE19598B0}" type="datetimeFigureOut">
               <a:rPr lang="en-US" smtClean="0"/>
-              <a:t>5/5/20</a:t>
+              <a:t>11/26/20</a:t>
             </a:fld>
             <a:endParaRPr lang="en-US"/>
           </a:p>
@@ -3757,12 +3762,88 @@
           <a:chExt cx="0" cy="0"/>
         </a:xfrm>
       </p:grpSpPr>
+      <p:sp>
+        <p:nvSpPr>
+          <p:cNvPr id="10" name="TextBox 9">
+            <a:extLst>
+              <a:ext uri="{FF2B5EF4-FFF2-40B4-BE49-F238E27FC236}">
+                <a16:creationId xmlns:a16="http://schemas.microsoft.com/office/drawing/2014/main" id="{8C27D4DD-10BC-8D44-9C2C-7D6A35E15571}"/>
+              </a:ext>
+            </a:extLst>
+          </p:cNvPr>
+          <p:cNvSpPr txBox="1"/>
+          <p:nvPr/>
+        </p:nvSpPr>
+        <p:spPr>
+          <a:xfrm>
+            <a:off x="356839" y="653017"/>
+            <a:ext cx="479618" cy="369332"/>
+          </a:xfrm>
+          <a:prstGeom prst="rect">
+            <a:avLst/>
+          </a:prstGeom>
+          <a:noFill/>
+        </p:spPr>
+        <p:txBody>
+          <a:bodyPr wrap="none" rtlCol="0">
+            <a:spAutoFit/>
+          </a:bodyPr>
+          <a:lstStyle/>
+          <a:p>
+            <a:r>
+              <a:rPr lang="en-US" b="1" dirty="0">
+                <a:latin typeface="Arial" panose="020B0604020202020204" pitchFamily="34" charset="0"/>
+                <a:cs typeface="Arial" panose="020B0604020202020204" pitchFamily="34" charset="0"/>
+              </a:rPr>
+              <a:t>A. </a:t>
+            </a:r>
+          </a:p>
+        </p:txBody>
+      </p:sp>
+      <p:sp>
+        <p:nvSpPr>
+          <p:cNvPr id="11" name="TextBox 10">
+            <a:extLst>
+              <a:ext uri="{FF2B5EF4-FFF2-40B4-BE49-F238E27FC236}">
+                <a16:creationId xmlns:a16="http://schemas.microsoft.com/office/drawing/2014/main" id="{90412A33-B10C-CF4A-8FEB-0A8B1B26798E}"/>
+              </a:ext>
+            </a:extLst>
+          </p:cNvPr>
+          <p:cNvSpPr txBox="1"/>
+          <p:nvPr/>
+        </p:nvSpPr>
+        <p:spPr>
+          <a:xfrm>
+            <a:off x="6096000" y="653017"/>
+            <a:ext cx="415498" cy="369332"/>
+          </a:xfrm>
+          <a:prstGeom prst="rect">
+            <a:avLst/>
+          </a:prstGeom>
+          <a:noFill/>
+        </p:spPr>
+        <p:txBody>
+          <a:bodyPr wrap="none" rtlCol="0">
+            <a:spAutoFit/>
+          </a:bodyPr>
+          <a:lstStyle/>
+          <a:p>
+            <a:r>
+              <a:rPr lang="en-US" b="1" dirty="0">
+                <a:latin typeface="Arial" panose="020B0604020202020204" pitchFamily="34" charset="0"/>
+                <a:cs typeface="Arial" panose="020B0604020202020204" pitchFamily="34" charset="0"/>
+              </a:rPr>
+              <a:t>B.</a:t>
+            </a:r>
+          </a:p>
+        </p:txBody>
+      </p:sp>
       <p:pic>
         <p:nvPicPr>
-          <p:cNvPr id="7" name="Picture 6">
-            <a:extLst>
-              <a:ext uri="{FF2B5EF4-FFF2-40B4-BE49-F238E27FC236}">
-                <a16:creationId xmlns:a16="http://schemas.microsoft.com/office/drawing/2014/main" id="{A87CBD00-215F-944F-8042-2F335967DA30}"/>
+          <p:cNvPr id="3" name="Picture 2">
+            <a:extLst>
+              <a:ext uri="{FF2B5EF4-FFF2-40B4-BE49-F238E27FC236}">
+                <a16:creationId xmlns:a16="http://schemas.microsoft.com/office/drawing/2014/main" id="{18DE1CBA-382C-7B47-96B0-A478986FC109}"/>
               </a:ext>
             </a:extLst>
           </p:cNvPr>
@@ -3779,96 +3860,20 @@
         </p:blipFill>
         <p:spPr>
           <a:xfrm>
-            <a:off x="356839" y="1062153"/>
-            <a:ext cx="4733693" cy="4733693"/>
+            <a:off x="6096000" y="762000"/>
+            <a:ext cx="6096000" cy="6096000"/>
           </a:xfrm>
           <a:prstGeom prst="rect">
             <a:avLst/>
           </a:prstGeom>
         </p:spPr>
       </p:pic>
-      <p:sp>
-        <p:nvSpPr>
-          <p:cNvPr id="10" name="TextBox 9">
-            <a:extLst>
-              <a:ext uri="{FF2B5EF4-FFF2-40B4-BE49-F238E27FC236}">
-                <a16:creationId xmlns:a16="http://schemas.microsoft.com/office/drawing/2014/main" id="{8C27D4DD-10BC-8D44-9C2C-7D6A35E15571}"/>
-              </a:ext>
-            </a:extLst>
-          </p:cNvPr>
-          <p:cNvSpPr txBox="1"/>
-          <p:nvPr/>
-        </p:nvSpPr>
-        <p:spPr>
-          <a:xfrm>
-            <a:off x="356839" y="653017"/>
-            <a:ext cx="479618" cy="369332"/>
-          </a:xfrm>
-          <a:prstGeom prst="rect">
-            <a:avLst/>
-          </a:prstGeom>
-          <a:noFill/>
-        </p:spPr>
-        <p:txBody>
-          <a:bodyPr wrap="none" rtlCol="0">
-            <a:spAutoFit/>
-          </a:bodyPr>
-          <a:lstStyle/>
-          <a:p>
-            <a:r>
-              <a:rPr lang="en-US" b="1" dirty="0">
-                <a:latin typeface="Arial" panose="020B0604020202020204" pitchFamily="34" charset="0"/>
-                <a:cs typeface="Arial" panose="020B0604020202020204" pitchFamily="34" charset="0"/>
-              </a:rPr>
-              <a:t>A. </a:t>
-            </a:r>
-          </a:p>
-        </p:txBody>
-      </p:sp>
-      <p:sp>
-        <p:nvSpPr>
-          <p:cNvPr id="11" name="TextBox 10">
-            <a:extLst>
-              <a:ext uri="{FF2B5EF4-FFF2-40B4-BE49-F238E27FC236}">
-                <a16:creationId xmlns:a16="http://schemas.microsoft.com/office/drawing/2014/main" id="{90412A33-B10C-CF4A-8FEB-0A8B1B26798E}"/>
-              </a:ext>
-            </a:extLst>
-          </p:cNvPr>
-          <p:cNvSpPr txBox="1"/>
-          <p:nvPr/>
-        </p:nvSpPr>
-        <p:spPr>
-          <a:xfrm>
-            <a:off x="6096000" y="653017"/>
-            <a:ext cx="415498" cy="369332"/>
-          </a:xfrm>
-          <a:prstGeom prst="rect">
-            <a:avLst/>
-          </a:prstGeom>
-          <a:noFill/>
-        </p:spPr>
-        <p:txBody>
-          <a:bodyPr wrap="none" rtlCol="0">
-            <a:spAutoFit/>
-          </a:bodyPr>
-          <a:lstStyle/>
-          <a:p>
-            <a:r>
-              <a:rPr lang="en-US" b="1" dirty="0">
-                <a:latin typeface="Arial" panose="020B0604020202020204" pitchFamily="34" charset="0"/>
-                <a:cs typeface="Arial" panose="020B0604020202020204" pitchFamily="34" charset="0"/>
-              </a:rPr>
-              <a:t>B.</a:t>
-            </a:r>
-          </a:p>
-        </p:txBody>
-      </p:sp>
       <p:pic>
         <p:nvPicPr>
-          <p:cNvPr id="13" name="Picture 12">
-            <a:extLst>
-              <a:ext uri="{FF2B5EF4-FFF2-40B4-BE49-F238E27FC236}">
-                <a16:creationId xmlns:a16="http://schemas.microsoft.com/office/drawing/2014/main" id="{89A3DAE8-F415-2949-9988-1820947D72A5}"/>
+          <p:cNvPr id="5" name="Picture 4">
+            <a:extLst>
+              <a:ext uri="{FF2B5EF4-FFF2-40B4-BE49-F238E27FC236}">
+                <a16:creationId xmlns:a16="http://schemas.microsoft.com/office/drawing/2014/main" id="{52640EC1-7764-344B-9E23-84C6DCF7B20E}"/>
               </a:ext>
             </a:extLst>
           </p:cNvPr>
@@ -3885,8 +3890,8 @@
         </p:blipFill>
         <p:spPr>
           <a:xfrm>
-            <a:off x="6096000" y="1022349"/>
-            <a:ext cx="5839522" cy="5839522"/>
+            <a:off x="836457" y="762000"/>
+            <a:ext cx="5020962" cy="5020962"/>
           </a:xfrm>
           <a:prstGeom prst="rect">
             <a:avLst/>
